--- a/reversi-ai/result/オセロAI_技術アカデミー用説明資料.pptx
+++ b/reversi-ai/result/オセロAI_技術アカデミー用説明資料.pptx
@@ -202,7 +202,6 @@
   </mc:AlternateContent>
   <c:chart>
     <c:title>
-      <c:layout/>
       <c:overlay val="0"/>
       <c:spPr>
         <a:noFill/>
@@ -6298,11 +6297,11 @@
           <c:showBubbleSize val="0"/>
         </c:dLbls>
         <c:smooth val="0"/>
-        <c:axId val="432405256"/>
-        <c:axId val="432404864"/>
+        <c:axId val="656028640"/>
+        <c:axId val="656029032"/>
       </c:lineChart>
       <c:catAx>
-        <c:axId val="432405256"/>
+        <c:axId val="656028640"/>
         <c:scaling>
           <c:orientation val="minMax"/>
         </c:scaling>
@@ -6334,7 +6333,6 @@
               </a:p>
             </c:rich>
           </c:tx>
-          <c:layout/>
           <c:overlay val="0"/>
           <c:spPr>
             <a:noFill/>
@@ -6401,7 +6399,7 @@
             <a:endParaRPr lang="ja-JP"/>
           </a:p>
         </c:txPr>
-        <c:crossAx val="432404864"/>
+        <c:crossAx val="656029032"/>
         <c:crosses val="autoZero"/>
         <c:auto val="1"/>
         <c:lblAlgn val="ctr"/>
@@ -6409,7 +6407,7 @@
         <c:noMultiLvlLbl val="0"/>
       </c:catAx>
       <c:valAx>
-        <c:axId val="432404864"/>
+        <c:axId val="656029032"/>
         <c:scaling>
           <c:orientation val="minMax"/>
         </c:scaling>
@@ -6455,7 +6453,6 @@
               </a:p>
             </c:rich>
           </c:tx>
-          <c:layout/>
           <c:overlay val="0"/>
           <c:spPr>
             <a:noFill/>
@@ -6516,7 +6513,7 @@
             <a:endParaRPr lang="ja-JP"/>
           </a:p>
         </c:txPr>
-        <c:crossAx val="432405256"/>
+        <c:crossAx val="656028640"/>
         <c:crosses val="autoZero"/>
         <c:crossBetween val="between"/>
       </c:valAx>
@@ -6599,7 +6596,6 @@
           </a:p>
         </c:rich>
       </c:tx>
-      <c:layout/>
       <c:overlay val="0"/>
       <c:spPr>
         <a:noFill/>
@@ -12695,11 +12691,11 @@
           <c:showBubbleSize val="0"/>
         </c:dLbls>
         <c:smooth val="0"/>
-        <c:axId val="434128696"/>
-        <c:axId val="434129088"/>
+        <c:axId val="656029816"/>
+        <c:axId val="475911000"/>
       </c:lineChart>
       <c:catAx>
-        <c:axId val="434128696"/>
+        <c:axId val="656029816"/>
         <c:scaling>
           <c:orientation val="minMax"/>
         </c:scaling>
@@ -12731,7 +12727,6 @@
               </a:p>
             </c:rich>
           </c:tx>
-          <c:layout/>
           <c:overlay val="0"/>
           <c:spPr>
             <a:noFill/>
@@ -12798,7 +12793,7 @@
             <a:endParaRPr lang="ja-JP"/>
           </a:p>
         </c:txPr>
-        <c:crossAx val="434129088"/>
+        <c:crossAx val="475911000"/>
         <c:crosses val="autoZero"/>
         <c:auto val="1"/>
         <c:lblAlgn val="ctr"/>
@@ -12806,7 +12801,7 @@
         <c:noMultiLvlLbl val="0"/>
       </c:catAx>
       <c:valAx>
-        <c:axId val="434129088"/>
+        <c:axId val="475911000"/>
         <c:scaling>
           <c:orientation val="minMax"/>
         </c:scaling>
@@ -12852,7 +12847,6 @@
               </a:p>
             </c:rich>
           </c:tx>
-          <c:layout/>
           <c:overlay val="0"/>
           <c:spPr>
             <a:noFill/>
@@ -12913,7 +12907,7 @@
             <a:endParaRPr lang="ja-JP"/>
           </a:p>
         </c:txPr>
-        <c:crossAx val="434128696"/>
+        <c:crossAx val="656029816"/>
         <c:crosses val="autoZero"/>
         <c:crossBetween val="between"/>
       </c:valAx>
@@ -12996,7 +12990,6 @@
           </a:p>
         </c:rich>
       </c:tx>
-      <c:layout/>
       <c:overlay val="0"/>
       <c:spPr>
         <a:noFill/>
@@ -19092,11 +19085,11 @@
           <c:showBubbleSize val="0"/>
         </c:dLbls>
         <c:smooth val="0"/>
-        <c:axId val="434129872"/>
-        <c:axId val="434130264"/>
+        <c:axId val="475911392"/>
+        <c:axId val="475912176"/>
       </c:lineChart>
       <c:catAx>
-        <c:axId val="434129872"/>
+        <c:axId val="475911392"/>
         <c:scaling>
           <c:orientation val="minMax"/>
         </c:scaling>
@@ -19128,7 +19121,6 @@
               </a:p>
             </c:rich>
           </c:tx>
-          <c:layout/>
           <c:overlay val="0"/>
           <c:spPr>
             <a:noFill/>
@@ -19195,7 +19187,7 @@
             <a:endParaRPr lang="ja-JP"/>
           </a:p>
         </c:txPr>
-        <c:crossAx val="434130264"/>
+        <c:crossAx val="475912176"/>
         <c:crosses val="autoZero"/>
         <c:auto val="1"/>
         <c:lblAlgn val="ctr"/>
@@ -19203,7 +19195,7 @@
         <c:noMultiLvlLbl val="0"/>
       </c:catAx>
       <c:valAx>
-        <c:axId val="434130264"/>
+        <c:axId val="475912176"/>
         <c:scaling>
           <c:orientation val="minMax"/>
         </c:scaling>
@@ -19249,7 +19241,6 @@
               </a:p>
             </c:rich>
           </c:tx>
-          <c:layout/>
           <c:overlay val="0"/>
           <c:spPr>
             <a:noFill/>
@@ -19310,7 +19301,7 @@
             <a:endParaRPr lang="ja-JP"/>
           </a:p>
         </c:txPr>
-        <c:crossAx val="434129872"/>
+        <c:crossAx val="475911392"/>
         <c:crosses val="autoZero"/>
         <c:crossBetween val="between"/>
       </c:valAx>
@@ -19393,7 +19384,6 @@
           </a:p>
         </c:rich>
       </c:tx>
-      <c:layout/>
       <c:overlay val="0"/>
       <c:spPr>
         <a:noFill/>
@@ -25489,11 +25479,11 @@
           <c:showBubbleSize val="0"/>
         </c:dLbls>
         <c:smooth val="0"/>
-        <c:axId val="434131440"/>
-        <c:axId val="436153392"/>
+        <c:axId val="503866760"/>
+        <c:axId val="503867152"/>
       </c:lineChart>
       <c:catAx>
-        <c:axId val="434131440"/>
+        <c:axId val="503866760"/>
         <c:scaling>
           <c:orientation val="minMax"/>
         </c:scaling>
@@ -25525,7 +25515,6 @@
               </a:p>
             </c:rich>
           </c:tx>
-          <c:layout/>
           <c:overlay val="0"/>
           <c:spPr>
             <a:noFill/>
@@ -25592,7 +25581,7 @@
             <a:endParaRPr lang="ja-JP"/>
           </a:p>
         </c:txPr>
-        <c:crossAx val="436153392"/>
+        <c:crossAx val="503867152"/>
         <c:crosses val="autoZero"/>
         <c:auto val="1"/>
         <c:lblAlgn val="ctr"/>
@@ -25600,7 +25589,7 @@
         <c:noMultiLvlLbl val="0"/>
       </c:catAx>
       <c:valAx>
-        <c:axId val="436153392"/>
+        <c:axId val="503867152"/>
         <c:scaling>
           <c:orientation val="minMax"/>
         </c:scaling>
@@ -25646,7 +25635,6 @@
               </a:p>
             </c:rich>
           </c:tx>
-          <c:layout/>
           <c:overlay val="0"/>
           <c:spPr>
             <a:noFill/>
@@ -25707,7 +25695,7 @@
             <a:endParaRPr lang="ja-JP"/>
           </a:p>
         </c:txPr>
-        <c:crossAx val="434131440"/>
+        <c:crossAx val="503866760"/>
         <c:crosses val="autoZero"/>
         <c:crossBetween val="between"/>
       </c:valAx>
@@ -36624,7 +36612,7 @@
           <p:cNvPr id="1026" name="Picture 2" descr="https://github.com/tiny-dnn/tiny-dnn/wiki/007.png">
             <a:extLst>
               <a:ext uri="{FF2B5EF4-FFF2-40B4-BE49-F238E27FC236}">
-                <a16:creationId xmlns:a16="http://schemas.microsoft.com/office/drawing/2014/main" xmlns="" id="{2B947B29-14FD-44A7-A905-65B712D50C97}"/>
+                <a16:creationId xmlns="" xmlns:a16="http://schemas.microsoft.com/office/drawing/2014/main" id="{2B947B29-14FD-44A7-A905-65B712D50C97}"/>
               </a:ext>
             </a:extLst>
           </p:cNvPr>
@@ -36671,7 +36659,7 @@
           <p:cNvPr id="15" name="角丸四角形 11">
             <a:extLst>
               <a:ext uri="{FF2B5EF4-FFF2-40B4-BE49-F238E27FC236}">
-                <a16:creationId xmlns:a16="http://schemas.microsoft.com/office/drawing/2014/main" xmlns="" id="{1D0CEAD1-C171-475F-AE46-8D42F5AFF637}"/>
+                <a16:creationId xmlns="" xmlns:a16="http://schemas.microsoft.com/office/drawing/2014/main" id="{1D0CEAD1-C171-475F-AE46-8D42F5AFF637}"/>
               </a:ext>
             </a:extLst>
           </p:cNvPr>
@@ -37170,15 +37158,7 @@
                 <a:ea typeface="Meiryo UI" panose="020B0604030504040204" pitchFamily="50" charset="-128"/>
                 <a:cs typeface="Meiryo UI" panose="020B0604030504040204" pitchFamily="50" charset="-128"/>
               </a:rPr>
-              <a:t>　</a:t>
-            </a:r>
-            <a:r>
-              <a:rPr lang="ja-JP" altLang="en-US" sz="2400" b="1" baseline="-25000" dirty="0">
-                <a:latin typeface="Meiryo UI" panose="020B0604030504040204" pitchFamily="50" charset="-128"/>
-                <a:ea typeface="Meiryo UI" panose="020B0604030504040204" pitchFamily="50" charset="-128"/>
-                <a:cs typeface="Meiryo UI" panose="020B0604030504040204" pitchFamily="50" charset="-128"/>
-              </a:rPr>
-              <a:t>　</a:t>
+              <a:t>　　</a:t>
             </a:r>
             <a:r>
               <a:rPr lang="ja-JP" altLang="en-US" sz="2400" b="1" baseline="-25000" dirty="0" smtClean="0">
@@ -37257,15 +37237,7 @@
                 <a:ea typeface="Meiryo UI" panose="020B0604030504040204" pitchFamily="50" charset="-128"/>
                 <a:cs typeface="Meiryo UI" panose="020B0604030504040204" pitchFamily="50" charset="-128"/>
               </a:rPr>
-              <a:t>　</a:t>
-            </a:r>
-            <a:r>
-              <a:rPr lang="ja-JP" altLang="en-US" sz="2400" b="1" baseline="-25000" dirty="0" smtClean="0">
-                <a:latin typeface="Meiryo UI" panose="020B0604030504040204" pitchFamily="50" charset="-128"/>
-                <a:ea typeface="Meiryo UI" panose="020B0604030504040204" pitchFamily="50" charset="-128"/>
-                <a:cs typeface="Meiryo UI" panose="020B0604030504040204" pitchFamily="50" charset="-128"/>
-              </a:rPr>
-              <a:t>を計算し、損失の和を平均化した値をデータ全体の損失と定義して学習を行う。</a:t>
+              <a:t>　を計算し、損失の和を平均化した値をデータ全体の損失と定義して学習を行う。</a:t>
             </a:r>
             <a:endParaRPr lang="en-US" altLang="ja-JP" sz="2400" b="1" baseline="-25000" dirty="0" smtClean="0">
               <a:latin typeface="Meiryo UI" panose="020B0604030504040204" pitchFamily="50" charset="-128"/>
@@ -37544,15 +37516,7 @@
                 <a:ea typeface="Meiryo UI" panose="020B0604030504040204" pitchFamily="50" charset="-128"/>
                 <a:cs typeface="Meiryo UI" panose="020B0604030504040204" pitchFamily="50" charset="-128"/>
               </a:rPr>
-              <a:t>　</a:t>
-            </a:r>
-            <a:r>
-              <a:rPr lang="ja-JP" altLang="en-US" sz="2400" b="1" baseline="-25000" dirty="0" smtClean="0">
-                <a:latin typeface="Meiryo UI" panose="020B0604030504040204" pitchFamily="50" charset="-128"/>
-                <a:ea typeface="Meiryo UI" panose="020B0604030504040204" pitchFamily="50" charset="-128"/>
-                <a:cs typeface="Meiryo UI" panose="020B0604030504040204" pitchFamily="50" charset="-128"/>
-              </a:rPr>
-              <a:t>計算し、損失の和を平均化した値を損失と定義して学習する。</a:t>
+              <a:t>　計算し、損失の和を平均化した値を損失と定義して学習する。</a:t>
             </a:r>
             <a:endParaRPr lang="en-US" altLang="ja-JP" sz="2400" b="1" baseline="-25000" dirty="0" smtClean="0">
               <a:latin typeface="Meiryo UI" panose="020B0604030504040204" pitchFamily="50" charset="-128"/>
@@ -38110,18 +38074,6 @@
               </a:rPr>
               <a:t>オンライン学習</a:t>
             </a:r>
-            <a:endParaRPr kumimoji="1" lang="ja-JP" altLang="en-US" sz="1600" b="1" i="0" u="none" strike="noStrike" cap="none" normalizeH="0" baseline="0" dirty="0" smtClean="0">
-              <a:ln>
-                <a:noFill/>
-              </a:ln>
-              <a:solidFill>
-                <a:schemeClr val="tx1"/>
-              </a:solidFill>
-              <a:effectLst/>
-              <a:latin typeface="Meiryo UI" panose="020B0604030504040204" pitchFamily="50" charset="-128"/>
-              <a:ea typeface="Meiryo UI" panose="020B0604030504040204" pitchFamily="50" charset="-128"/>
-              <a:cs typeface="Meiryo UI" panose="020B0604030504040204" pitchFamily="50" charset="-128"/>
-            </a:endParaRPr>
           </a:p>
         </p:txBody>
       </p:sp>
@@ -38278,18 +38230,6 @@
               </a:rPr>
               <a:t>ミニバッチ学習</a:t>
             </a:r>
-            <a:endParaRPr kumimoji="1" lang="ja-JP" altLang="en-US" sz="1600" b="1" i="0" u="none" strike="noStrike" cap="none" normalizeH="0" baseline="0" dirty="0" smtClean="0">
-              <a:ln>
-                <a:noFill/>
-              </a:ln>
-              <a:solidFill>
-                <a:schemeClr val="tx1"/>
-              </a:solidFill>
-              <a:effectLst/>
-              <a:latin typeface="Meiryo UI" panose="020B0604030504040204" pitchFamily="50" charset="-128"/>
-              <a:ea typeface="Meiryo UI" panose="020B0604030504040204" pitchFamily="50" charset="-128"/>
-              <a:cs typeface="Meiryo UI" panose="020B0604030504040204" pitchFamily="50" charset="-128"/>
-            </a:endParaRPr>
           </a:p>
         </p:txBody>
       </p:sp>
@@ -38446,18 +38386,6 @@
               </a:rPr>
               <a:t>バッチ学習</a:t>
             </a:r>
-            <a:endParaRPr kumimoji="1" lang="ja-JP" altLang="en-US" sz="1600" b="1" i="0" u="none" strike="noStrike" cap="none" normalizeH="0" baseline="0" dirty="0" smtClean="0">
-              <a:ln>
-                <a:noFill/>
-              </a:ln>
-              <a:solidFill>
-                <a:schemeClr val="tx1"/>
-              </a:solidFill>
-              <a:effectLst/>
-              <a:latin typeface="Meiryo UI" panose="020B0604030504040204" pitchFamily="50" charset="-128"/>
-              <a:ea typeface="Meiryo UI" panose="020B0604030504040204" pitchFamily="50" charset="-128"/>
-              <a:cs typeface="Meiryo UI" panose="020B0604030504040204" pitchFamily="50" charset="-128"/>
-            </a:endParaRPr>
           </a:p>
         </p:txBody>
       </p:sp>
@@ -38632,6 +38560,30 @@
           </a:p>
         </p:txBody>
       </p:sp>
+      <p:pic>
+        <p:nvPicPr>
+          <p:cNvPr id="2" name="図 1"/>
+          <p:cNvPicPr>
+            <a:picLocks noChangeAspect="1"/>
+          </p:cNvPicPr>
+          <p:nvPr/>
+        </p:nvPicPr>
+        <p:blipFill>
+          <a:blip r:embed="rId3"/>
+          <a:stretch>
+            <a:fillRect/>
+          </a:stretch>
+        </p:blipFill>
+        <p:spPr>
+          <a:xfrm>
+            <a:off x="128788" y="1595319"/>
+            <a:ext cx="9015211" cy="4625177"/>
+          </a:xfrm>
+          <a:prstGeom prst="rect">
+            <a:avLst/>
+          </a:prstGeom>
+        </p:spPr>
+      </p:pic>
       <p:sp>
         <p:nvSpPr>
           <p:cNvPr id="13" name="雲 12"/>
@@ -38640,8 +38592,8 @@
         </p:nvSpPr>
         <p:spPr bwMode="auto">
           <a:xfrm>
-            <a:off x="4280973" y="2830830"/>
-            <a:ext cx="4672527" cy="2588654"/>
+            <a:off x="3957570" y="1541825"/>
+            <a:ext cx="4672527" cy="2489262"/>
           </a:xfrm>
           <a:prstGeom prst="cloud">
             <a:avLst/>
@@ -38688,23 +38640,7 @@
                   </a:outerShdw>
                 </a:effectLst>
               </a:rPr>
-              <a:t>すぐに</a:t>
-            </a:r>
-            <a:r>
-              <a:rPr lang="en-US" altLang="ja-JP" sz="2400" dirty="0" smtClean="0">
-                <a:ln w="0"/>
-                <a:solidFill>
-                  <a:srgbClr val="002060"/>
-                </a:solidFill>
-                <a:effectLst>
-                  <a:outerShdw blurRad="38100" dist="19050" dir="2700000" algn="tl" rotWithShape="0">
-                    <a:schemeClr val="dk1">
-                      <a:alpha val="40000"/>
-                    </a:schemeClr>
-                  </a:outerShdw>
-                </a:effectLst>
-              </a:rPr>
-              <a:t>INF</a:t>
+              <a:t>すぐ</a:t>
             </a:r>
             <a:r>
               <a:rPr lang="ja-JP" altLang="en-US" sz="2400" dirty="0" smtClean="0">
@@ -38720,7 +38656,55 @@
                   </a:outerShdw>
                 </a:effectLst>
               </a:rPr>
-              <a:t>を出して</a:t>
+              <a:t>に</a:t>
+            </a:r>
+            <a:r>
+              <a:rPr lang="en-US" altLang="ja-JP" sz="2400" dirty="0" err="1" smtClean="0">
+                <a:ln w="0"/>
+                <a:solidFill>
+                  <a:srgbClr val="002060"/>
+                </a:solidFill>
+                <a:effectLst>
+                  <a:outerShdw blurRad="38100" dist="19050" dir="2700000" algn="tl" rotWithShape="0">
+                    <a:schemeClr val="dk1">
+                      <a:alpha val="40000"/>
+                    </a:schemeClr>
+                  </a:outerShdw>
+                </a:effectLst>
+              </a:rPr>
+              <a:t>NaN</a:t>
+            </a:r>
+            <a:r>
+              <a:rPr lang="ja-JP" altLang="en-US" sz="2400" dirty="0" smtClean="0">
+                <a:ln w="0"/>
+                <a:solidFill>
+                  <a:srgbClr val="002060"/>
+                </a:solidFill>
+                <a:effectLst>
+                  <a:outerShdw blurRad="38100" dist="19050" dir="2700000" algn="tl" rotWithShape="0">
+                    <a:schemeClr val="dk1">
+                      <a:alpha val="40000"/>
+                    </a:schemeClr>
+                  </a:outerShdw>
+                </a:effectLst>
+              </a:rPr>
+              <a:t>を</a:t>
+            </a:r>
+            <a:r>
+              <a:rPr lang="ja-JP" altLang="en-US" sz="2400" dirty="0" smtClean="0">
+                <a:ln w="0"/>
+                <a:solidFill>
+                  <a:srgbClr val="002060"/>
+                </a:solidFill>
+                <a:effectLst>
+                  <a:outerShdw blurRad="38100" dist="19050" dir="2700000" algn="tl" rotWithShape="0">
+                    <a:schemeClr val="dk1">
+                      <a:alpha val="40000"/>
+                    </a:schemeClr>
+                  </a:outerShdw>
+                </a:effectLst>
+              </a:rPr>
+              <a:t>出して</a:t>
             </a:r>
             <a:endParaRPr lang="en-US" altLang="ja-JP" sz="2400" dirty="0" smtClean="0">
               <a:ln w="0"/>
@@ -39276,7 +39260,7 @@
           <p:cNvPr id="16" name="角丸四角形 11">
             <a:extLst>
               <a:ext uri="{FF2B5EF4-FFF2-40B4-BE49-F238E27FC236}">
-                <a16:creationId xmlns:a16="http://schemas.microsoft.com/office/drawing/2014/main" xmlns="" id="{1D0CEAD1-C171-475F-AE46-8D42F5AFF637}"/>
+                <a16:creationId xmlns="" xmlns:a16="http://schemas.microsoft.com/office/drawing/2014/main" id="{1D0CEAD1-C171-475F-AE46-8D42F5AFF637}"/>
               </a:ext>
             </a:extLst>
           </p:cNvPr>
@@ -39959,7 +39943,7 @@
           <p:cNvPr id="11" name="角丸四角形 11">
             <a:extLst>
               <a:ext uri="{FF2B5EF4-FFF2-40B4-BE49-F238E27FC236}">
-                <a16:creationId xmlns:a16="http://schemas.microsoft.com/office/drawing/2014/main" xmlns="" id="{1D0CEAD1-C171-475F-AE46-8D42F5AFF637}"/>
+                <a16:creationId xmlns="" xmlns:a16="http://schemas.microsoft.com/office/drawing/2014/main" id="{1D0CEAD1-C171-475F-AE46-8D42F5AFF637}"/>
               </a:ext>
             </a:extLst>
           </p:cNvPr>
@@ -40640,7 +40624,7 @@
           <p:cNvPr id="11" name="角丸四角形 11">
             <a:extLst>
               <a:ext uri="{FF2B5EF4-FFF2-40B4-BE49-F238E27FC236}">
-                <a16:creationId xmlns:a16="http://schemas.microsoft.com/office/drawing/2014/main" xmlns="" id="{1D0CEAD1-C171-475F-AE46-8D42F5AFF637}"/>
+                <a16:creationId xmlns="" xmlns:a16="http://schemas.microsoft.com/office/drawing/2014/main" id="{1D0CEAD1-C171-475F-AE46-8D42F5AFF637}"/>
               </a:ext>
             </a:extLst>
           </p:cNvPr>
@@ -41168,15 +41152,7 @@
                 <a:ea typeface="Meiryo UI" panose="020B0604030504040204" pitchFamily="50" charset="-128"/>
                 <a:cs typeface="Meiryo UI" panose="020B0604030504040204" pitchFamily="50" charset="-128"/>
               </a:rPr>
-              <a:t>直接的な原因は重みが間違った方向へ凄まじい量更新されること</a:t>
-            </a:r>
-            <a:r>
-              <a:rPr lang="ja-JP" altLang="en-US" sz="2400" b="1" baseline="-25000" dirty="0" smtClean="0">
-                <a:latin typeface="Meiryo UI" panose="020B0604030504040204" pitchFamily="50" charset="-128"/>
-                <a:ea typeface="Meiryo UI" panose="020B0604030504040204" pitchFamily="50" charset="-128"/>
-                <a:cs typeface="Meiryo UI" panose="020B0604030504040204" pitchFamily="50" charset="-128"/>
-              </a:rPr>
-              <a:t>である為、</a:t>
+              <a:t>直接的な原因は重みが間違った方向へ凄まじい量更新されることである為、</a:t>
             </a:r>
             <a:endParaRPr lang="en-US" altLang="ja-JP" sz="2400" b="1" baseline="-25000" dirty="0" smtClean="0">
               <a:latin typeface="Meiryo UI" panose="020B0604030504040204" pitchFamily="50" charset="-128"/>
@@ -41273,7 +41249,7 @@
           <p:cNvPr id="11" name="角丸四角形 11">
             <a:extLst>
               <a:ext uri="{FF2B5EF4-FFF2-40B4-BE49-F238E27FC236}">
-                <a16:creationId xmlns:a16="http://schemas.microsoft.com/office/drawing/2014/main" xmlns="" id="{1D0CEAD1-C171-475F-AE46-8D42F5AFF637}"/>
+                <a16:creationId xmlns="" xmlns:a16="http://schemas.microsoft.com/office/drawing/2014/main" id="{1D0CEAD1-C171-475F-AE46-8D42F5AFF637}"/>
               </a:ext>
             </a:extLst>
           </p:cNvPr>
